--- a/ViT_EuroSAT.pptx
+++ b/ViT_EuroSAT.pptx
@@ -1918,7 +1918,7 @@
               <a:buNone/>
             </a:pPr>
             <a:r>
-              <a:rPr lang="en-US" sz="1100" dirty="0">
+              <a:rPr lang="en-US" sz="1100">
                 <a:solidFill>
                   <a:srgbClr val="000000"/>
                 </a:solidFill>
@@ -1926,46 +1926,16 @@
                 <a:ea typeface="Inter" pitchFamily="34" charset="-122"/>
                 <a:cs typeface="Inter" pitchFamily="34" charset="-120"/>
               </a:rPr>
-              <a:t>Manav Garg 21BAI1045, </a:t>
-            </a:r>
-          </a:p>
-          <a:p>
-            <a:pPr marL="0" indent="0">
-              <a:buNone/>
-            </a:pPr>
-            <a:r>
-              <a:rPr lang="en-US" sz="1100" dirty="0">
-                <a:solidFill>
-                  <a:srgbClr val="000000"/>
-                </a:solidFill>
-                <a:latin typeface="Inter" pitchFamily="34" charset="0"/>
-                <a:ea typeface="Inter" pitchFamily="34" charset="-122"/>
-                <a:cs typeface="Inter" pitchFamily="34" charset="-120"/>
-              </a:rPr>
-              <a:t>Atharva Subhash </a:t>
-            </a:r>
-            <a:r>
-              <a:rPr lang="en-US" sz="1100" dirty="0" err="1">
-                <a:solidFill>
-                  <a:srgbClr val="000000"/>
-                </a:solidFill>
-                <a:latin typeface="Inter" pitchFamily="34" charset="0"/>
-                <a:ea typeface="Inter" pitchFamily="34" charset="-122"/>
-                <a:cs typeface="Inter" pitchFamily="34" charset="-120"/>
-              </a:rPr>
-              <a:t>Bodke</a:t>
-            </a:r>
-            <a:r>
-              <a:rPr lang="en-US" sz="1100" dirty="0">
-                <a:solidFill>
-                  <a:srgbClr val="000000"/>
-                </a:solidFill>
-                <a:latin typeface="Inter" pitchFamily="34" charset="0"/>
-                <a:ea typeface="Inter" pitchFamily="34" charset="-122"/>
-                <a:cs typeface="Inter" pitchFamily="34" charset="-120"/>
-              </a:rPr>
-              <a:t> 21BAI1855</a:t>
-            </a:r>
+              <a:t>Manav Garg </a:t>
+            </a:r>
+            <a:endParaRPr lang="en-US" sz="1100" dirty="0">
+              <a:solidFill>
+                <a:srgbClr val="000000"/>
+              </a:solidFill>
+              <a:latin typeface="Inter" pitchFamily="34" charset="0"/>
+              <a:ea typeface="Inter" pitchFamily="34" charset="-122"/>
+              <a:cs typeface="Inter" pitchFamily="34" charset="-120"/>
+            </a:endParaRPr>
           </a:p>
           <a:p>
             <a:pPr marL="0" indent="0">
